--- a/20250303_ForecastingtheGOAT-AIForecastsHowtheBradyvsMahomesDebateEnds/Images/Presentation - Source Images.pptx
+++ b/20250303_ForecastingtheGOAT-AIForecastsHowtheBradyvsMahomesDebateEnds/Images/Presentation - Source Images.pptx
@@ -259,7 +259,7 @@
           <a:p>
             <a:fld id="{D28005AC-079B-4535-B2B2-20AFB5D9E413}" type="datetimeFigureOut">
               <a:rPr lang="en-US" smtClean="0"/>
-              <a:t>3/11/25</a:t>
+              <a:t>3/14/25</a:t>
             </a:fld>
             <a:endParaRPr lang="en-US" dirty="0"/>
           </a:p>
@@ -457,7 +457,7 @@
           <a:p>
             <a:fld id="{D28005AC-079B-4535-B2B2-20AFB5D9E413}" type="datetimeFigureOut">
               <a:rPr lang="en-US" smtClean="0"/>
-              <a:t>3/11/25</a:t>
+              <a:t>3/14/25</a:t>
             </a:fld>
             <a:endParaRPr lang="en-US" dirty="0"/>
           </a:p>
@@ -665,7 +665,7 @@
           <a:p>
             <a:fld id="{D28005AC-079B-4535-B2B2-20AFB5D9E413}" type="datetimeFigureOut">
               <a:rPr lang="en-US" smtClean="0"/>
-              <a:t>3/11/25</a:t>
+              <a:t>3/14/25</a:t>
             </a:fld>
             <a:endParaRPr lang="en-US" dirty="0"/>
           </a:p>
@@ -863,7 +863,7 @@
           <a:p>
             <a:fld id="{D28005AC-079B-4535-B2B2-20AFB5D9E413}" type="datetimeFigureOut">
               <a:rPr lang="en-US" smtClean="0"/>
-              <a:t>3/11/25</a:t>
+              <a:t>3/14/25</a:t>
             </a:fld>
             <a:endParaRPr lang="en-US" dirty="0"/>
           </a:p>
@@ -1138,7 +1138,7 @@
           <a:p>
             <a:fld id="{D28005AC-079B-4535-B2B2-20AFB5D9E413}" type="datetimeFigureOut">
               <a:rPr lang="en-US" smtClean="0"/>
-              <a:t>3/11/25</a:t>
+              <a:t>3/14/25</a:t>
             </a:fld>
             <a:endParaRPr lang="en-US" dirty="0"/>
           </a:p>
@@ -1403,7 +1403,7 @@
           <a:p>
             <a:fld id="{D28005AC-079B-4535-B2B2-20AFB5D9E413}" type="datetimeFigureOut">
               <a:rPr lang="en-US" smtClean="0"/>
-              <a:t>3/11/25</a:t>
+              <a:t>3/14/25</a:t>
             </a:fld>
             <a:endParaRPr lang="en-US" dirty="0"/>
           </a:p>
@@ -1815,7 +1815,7 @@
           <a:p>
             <a:fld id="{D28005AC-079B-4535-B2B2-20AFB5D9E413}" type="datetimeFigureOut">
               <a:rPr lang="en-US" smtClean="0"/>
-              <a:t>3/11/25</a:t>
+              <a:t>3/14/25</a:t>
             </a:fld>
             <a:endParaRPr lang="en-US" dirty="0"/>
           </a:p>
@@ -1956,7 +1956,7 @@
           <a:p>
             <a:fld id="{D28005AC-079B-4535-B2B2-20AFB5D9E413}" type="datetimeFigureOut">
               <a:rPr lang="en-US" smtClean="0"/>
-              <a:t>3/11/25</a:t>
+              <a:t>3/14/25</a:t>
             </a:fld>
             <a:endParaRPr lang="en-US" dirty="0"/>
           </a:p>
@@ -2069,7 +2069,7 @@
           <a:p>
             <a:fld id="{D28005AC-079B-4535-B2B2-20AFB5D9E413}" type="datetimeFigureOut">
               <a:rPr lang="en-US" smtClean="0"/>
-              <a:t>3/11/25</a:t>
+              <a:t>3/14/25</a:t>
             </a:fld>
             <a:endParaRPr lang="en-US" dirty="0"/>
           </a:p>
@@ -2380,7 +2380,7 @@
           <a:p>
             <a:fld id="{D28005AC-079B-4535-B2B2-20AFB5D9E413}" type="datetimeFigureOut">
               <a:rPr lang="en-US" smtClean="0"/>
-              <a:t>3/11/25</a:t>
+              <a:t>3/14/25</a:t>
             </a:fld>
             <a:endParaRPr lang="en-US" dirty="0"/>
           </a:p>
@@ -2668,7 +2668,7 @@
           <a:p>
             <a:fld id="{D28005AC-079B-4535-B2B2-20AFB5D9E413}" type="datetimeFigureOut">
               <a:rPr lang="en-US" smtClean="0"/>
-              <a:t>3/11/25</a:t>
+              <a:t>3/14/25</a:t>
             </a:fld>
             <a:endParaRPr lang="en-US" dirty="0"/>
           </a:p>
@@ -2909,7 +2909,7 @@
           <a:p>
             <a:fld id="{D28005AC-079B-4535-B2B2-20AFB5D9E413}" type="datetimeFigureOut">
               <a:rPr lang="en-US" smtClean="0"/>
-              <a:t>3/11/25</a:t>
+              <a:t>3/14/25</a:t>
             </a:fld>
             <a:endParaRPr lang="en-US" dirty="0"/>
           </a:p>
@@ -3427,7 +3427,7 @@
         </p:nvSpPr>
         <p:spPr>
           <a:xfrm>
-            <a:off x="122949" y="1947128"/>
+            <a:off x="43926" y="1800577"/>
             <a:ext cx="7104813" cy="2873229"/>
           </a:xfrm>
           <a:prstGeom prst="rect">
@@ -3452,7 +3452,7 @@
               </a:spcAft>
             </a:pPr>
             <a:r>
-              <a:rPr lang="en-US" sz="4400" dirty="0">
+              <a:rPr lang="en-US" sz="4200" dirty="0">
                 <a:solidFill>
                   <a:schemeClr val="bg1"/>
                 </a:solidFill>
@@ -3460,15 +3460,7 @@
                 <a:ea typeface="+mj-ea"/>
                 <a:cs typeface="+mj-cs"/>
               </a:rPr>
-              <a:t>Forecasting</a:t>
-            </a:r>
-            <a:r>
-              <a:rPr lang="en-US" sz="4400" dirty="0">
-                <a:latin typeface="Century Gothic" panose="020B0502020202020204" pitchFamily="34" charset="0"/>
-                <a:ea typeface="+mj-ea"/>
-                <a:cs typeface="+mj-cs"/>
-              </a:rPr>
-              <a:t> </a:t>
+              <a:t>Forecasting the </a:t>
             </a:r>
           </a:p>
           <a:p>
@@ -3484,7 +3476,7 @@
               </a:spcAft>
             </a:pPr>
             <a:r>
-              <a:rPr lang="en-US" sz="4400" b="1" dirty="0">
+              <a:rPr lang="en-US" sz="4200" b="1" dirty="0">
                 <a:solidFill>
                   <a:schemeClr val="accent4"/>
                 </a:solidFill>
@@ -3492,10 +3484,10 @@
                 <a:ea typeface="+mj-ea"/>
                 <a:cs typeface="+mj-cs"/>
               </a:rPr>
-              <a:t>The GOAT </a:t>
-            </a:r>
-            <a:r>
-              <a:rPr lang="en-US" sz="4400" dirty="0">
+              <a:t>NFL GOAT QB </a:t>
+            </a:r>
+            <a:r>
+              <a:rPr lang="en-US" sz="4200" dirty="0">
                 <a:solidFill>
                   <a:schemeClr val="bg1"/>
                 </a:solidFill>
@@ -3519,7 +3511,7 @@
               </a:spcAft>
             </a:pPr>
             <a:r>
-              <a:rPr lang="en-US" sz="4400" dirty="0">
+              <a:rPr lang="en-US" sz="4200" dirty="0">
                 <a:solidFill>
                   <a:schemeClr val="bg1"/>
                 </a:solidFill>
@@ -3529,7 +3521,7 @@
               </a:rPr>
               <a:t>Artificial Intelligence</a:t>
             </a:r>
-            <a:endParaRPr lang="en-US" sz="4400" b="1" dirty="0">
+            <a:endParaRPr lang="en-US" sz="4200" b="1" dirty="0">
               <a:solidFill>
                 <a:schemeClr val="accent4"/>
               </a:solidFill>
@@ -3554,7 +3546,7 @@
         </p:nvSpPr>
         <p:spPr>
           <a:xfrm>
-            <a:off x="122949" y="4955823"/>
+            <a:off x="43926" y="4678833"/>
             <a:ext cx="7104813" cy="796484"/>
           </a:xfrm>
           <a:prstGeom prst="rect">
@@ -3587,7 +3579,7 @@
                 <a:ea typeface="+mj-ea"/>
                 <a:cs typeface="+mj-cs"/>
               </a:rPr>
-              <a:t>AI Forecasts How the Tom Brady vs Patrick Mahomes Debate Will End</a:t>
+              <a:t>AI Forecasts How the Tom Brady vs. Patrick Mahomes Debate Will End</a:t>
             </a:r>
             <a:endParaRPr lang="en-US" sz="2800" b="1" i="1" dirty="0">
               <a:solidFill>
